--- a/projectwork/Plakat.pptx
+++ b/projectwork/Plakat.pptx
@@ -3329,7 +3329,7 @@
             <a:pPr algn="l"/>
             <a:r>
               <a:rPr lang="de-DE" dirty="0">
-                <a:latin typeface="Verdana" panose="020B0604030504040204" pitchFamily="34" charset="0"/>
+                <a:latin typeface="Cambria" panose="02040503050406030204" pitchFamily="18" charset="0"/>
                 <a:ea typeface="Verdana" panose="020B0604030504040204" pitchFamily="34" charset="0"/>
                 <a:cs typeface="Verdana" panose="020B0604030504040204" pitchFamily="34" charset="0"/>
               </a:rPr>
@@ -3337,22 +3337,22 @@
             </a:r>
             <a:br>
               <a:rPr lang="de-DE" dirty="0">
-                <a:latin typeface="Verdana" panose="020B0604030504040204" pitchFamily="34" charset="0"/>
+                <a:latin typeface="Cambria" panose="02040503050406030204" pitchFamily="18" charset="0"/>
                 <a:ea typeface="Verdana" panose="020B0604030504040204" pitchFamily="34" charset="0"/>
                 <a:cs typeface="Verdana" panose="020B0604030504040204" pitchFamily="34" charset="0"/>
               </a:rPr>
             </a:br>
             <a:r>
               <a:rPr lang="de-DE" dirty="0">
-                <a:latin typeface="Verdana" panose="020B0604030504040204" pitchFamily="34" charset="0"/>
+                <a:latin typeface="Cambria" panose="02040503050406030204" pitchFamily="18" charset="0"/>
                 <a:ea typeface="Verdana" panose="020B0604030504040204" pitchFamily="34" charset="0"/>
                 <a:cs typeface="Verdana" panose="020B0604030504040204" pitchFamily="34" charset="0"/>
               </a:rPr>
-              <a:t>                </a:t>
+              <a:t>			                </a:t>
             </a:r>
             <a:r>
               <a:rPr lang="de-DE" dirty="0" err="1">
-                <a:latin typeface="Verdana" panose="020B0604030504040204" pitchFamily="34" charset="0"/>
+                <a:latin typeface="Cambria" panose="02040503050406030204" pitchFamily="18" charset="0"/>
                 <a:ea typeface="Verdana" panose="020B0604030504040204" pitchFamily="34" charset="0"/>
                 <a:cs typeface="Verdana" panose="020B0604030504040204" pitchFamily="34" charset="0"/>
               </a:rPr>
@@ -3360,7 +3360,7 @@
             </a:r>
             <a:r>
               <a:rPr lang="de-DE" dirty="0">
-                <a:latin typeface="Verdana" panose="020B0604030504040204" pitchFamily="34" charset="0"/>
+                <a:latin typeface="Cambria" panose="02040503050406030204" pitchFamily="18" charset="0"/>
                 <a:ea typeface="Verdana" panose="020B0604030504040204" pitchFamily="34" charset="0"/>
                 <a:cs typeface="Verdana" panose="020B0604030504040204" pitchFamily="34" charset="0"/>
               </a:rPr>
@@ -3391,14 +3391,14 @@
           </a:ln>
           <a:extLst>
             <a:ext uri="{909E8E84-426E-40dd-AFC4-6F175D3DCCD1}">
-              <a14:hiddenFill xmlns="" xmlns:a14="http://schemas.microsoft.com/office/drawing/2010/main">
+              <a14:hiddenFill xmlns:a14="http://schemas.microsoft.com/office/drawing/2010/main" xmlns="">
                 <a:solidFill>
                   <a:srgbClr val="FFFFFF"/>
                 </a:solidFill>
               </a14:hiddenFill>
             </a:ext>
             <a:ext uri="{91240B29-F687-4f45-9708-019B960494DF}">
-              <a14:hiddenLine xmlns="" xmlns:a14="http://schemas.microsoft.com/office/drawing/2010/main" w="9525">
+              <a14:hiddenLine xmlns:a14="http://schemas.microsoft.com/office/drawing/2010/main" xmlns="" w="9525">
                 <a:solidFill>
                   <a:srgbClr val="000000"/>
                 </a:solidFill>
@@ -3578,7 +3578,7 @@
       </p:sp>
       <p:pic>
         <p:nvPicPr>
-          <p:cNvPr id="6" name="Grafik 5"/>
+          <p:cNvPr id="20" name="Grafik 19"/>
           <p:cNvPicPr>
             <a:picLocks noChangeAspect="1"/>
           </p:cNvPicPr>
@@ -3591,9 +3591,9 @@
           </a:stretch>
         </p:blipFill>
         <p:spPr>
-          <a:xfrm rot="374049">
-            <a:off x="2927343" y="6730079"/>
-            <a:ext cx="4323103" cy="3576495"/>
+          <a:xfrm rot="400956">
+            <a:off x="6768647" y="8603522"/>
+            <a:ext cx="752950" cy="752950"/>
           </a:xfrm>
           <a:prstGeom prst="rect">
             <a:avLst/>
@@ -3602,7 +3602,7 @@
       </p:pic>
       <p:pic>
         <p:nvPicPr>
-          <p:cNvPr id="4" name="Grafik 3"/>
+          <p:cNvPr id="21" name="Grafik 20"/>
           <p:cNvPicPr>
             <a:picLocks noChangeAspect="1"/>
           </p:cNvPicPr>
@@ -3615,317 +3615,18 @@
           </a:stretch>
         </p:blipFill>
         <p:spPr>
-          <a:xfrm>
-            <a:off x="85497" y="4037027"/>
-            <a:ext cx="5551714" cy="4406673"/>
+          <a:xfrm rot="345068">
+            <a:off x="6772882" y="8477029"/>
+            <a:ext cx="744474" cy="744474"/>
           </a:xfrm>
           <a:prstGeom prst="rect">
             <a:avLst/>
           </a:prstGeom>
         </p:spPr>
       </p:pic>
-      <p:sp>
-        <p:nvSpPr>
-          <p:cNvPr id="8" name="Textfeld 7"/>
-          <p:cNvSpPr txBox="1"/>
-          <p:nvPr/>
-        </p:nvSpPr>
-        <p:spPr>
-          <a:xfrm>
-            <a:off x="5464534" y="4037027"/>
-            <a:ext cx="2264228" cy="1400383"/>
-          </a:xfrm>
-          <a:prstGeom prst="rect">
-            <a:avLst/>
-          </a:prstGeom>
-          <a:noFill/>
-        </p:spPr>
-        <p:txBody>
-          <a:bodyPr wrap="square" rtlCol="0">
-            <a:spAutoFit/>
-          </a:bodyPr>
-          <a:lstStyle/>
-          <a:p>
-            <a:pPr algn="ctr"/>
-            <a:r>
-              <a:rPr lang="de-AT" sz="2000" dirty="0">
-                <a:latin typeface="Verdana" panose="020B0604030504040204" pitchFamily="34" charset="0"/>
-                <a:ea typeface="Verdana" panose="020B0604030504040204" pitchFamily="34" charset="0"/>
-                <a:cs typeface="Verdana" panose="020B0604030504040204" pitchFamily="34" charset="0"/>
-              </a:rPr>
-              <a:t>Main Frameworks:</a:t>
-            </a:r>
-            <a:br>
-              <a:rPr lang="de-AT" sz="2000" dirty="0">
-                <a:latin typeface="Verdana" panose="020B0604030504040204" pitchFamily="34" charset="0"/>
-                <a:ea typeface="Verdana" panose="020B0604030504040204" pitchFamily="34" charset="0"/>
-                <a:cs typeface="Verdana" panose="020B0604030504040204" pitchFamily="34" charset="0"/>
-              </a:rPr>
-            </a:br>
-            <a:r>
-              <a:rPr lang="de-AT" sz="500" dirty="0">
-                <a:latin typeface="Verdana" panose="020B0604030504040204" pitchFamily="34" charset="0"/>
-                <a:ea typeface="Verdana" panose="020B0604030504040204" pitchFamily="34" charset="0"/>
-                <a:cs typeface="Verdana" panose="020B0604030504040204" pitchFamily="34" charset="0"/>
-              </a:rPr>
-              <a:t> </a:t>
-            </a:r>
-            <a:endParaRPr lang="de-AT" sz="2000" dirty="0">
-              <a:latin typeface="Verdana" panose="020B0604030504040204" pitchFamily="34" charset="0"/>
-              <a:ea typeface="Verdana" panose="020B0604030504040204" pitchFamily="34" charset="0"/>
-              <a:cs typeface="Verdana" panose="020B0604030504040204" pitchFamily="34" charset="0"/>
-            </a:endParaRPr>
-          </a:p>
-          <a:p>
-            <a:pPr algn="ctr"/>
-            <a:r>
-              <a:rPr lang="de-AT" sz="2000" dirty="0" err="1">
-                <a:latin typeface="Verdana" panose="020B0604030504040204" pitchFamily="34" charset="0"/>
-                <a:ea typeface="Verdana" panose="020B0604030504040204" pitchFamily="34" charset="0"/>
-                <a:cs typeface="Verdana" panose="020B0604030504040204" pitchFamily="34" charset="0"/>
-              </a:rPr>
-              <a:t>Twisted</a:t>
-            </a:r>
-            <a:r>
-              <a:rPr lang="de-AT" sz="2000" dirty="0">
-                <a:latin typeface="Verdana" panose="020B0604030504040204" pitchFamily="34" charset="0"/>
-                <a:ea typeface="Verdana" panose="020B0604030504040204" pitchFamily="34" charset="0"/>
-                <a:cs typeface="Verdana" panose="020B0604030504040204" pitchFamily="34" charset="0"/>
-              </a:rPr>
-              <a:t> &amp; Cocos2d</a:t>
-            </a:r>
-          </a:p>
-        </p:txBody>
-      </p:sp>
-      <p:sp>
-        <p:nvSpPr>
-          <p:cNvPr id="9" name="Textfeld 8"/>
-          <p:cNvSpPr txBox="1"/>
-          <p:nvPr/>
-        </p:nvSpPr>
-        <p:spPr>
-          <a:xfrm rot="442193">
-            <a:off x="5700077" y="5794974"/>
-            <a:ext cx="1793142" cy="923330"/>
-          </a:xfrm>
-          <a:prstGeom prst="rect">
-            <a:avLst/>
-          </a:prstGeom>
-          <a:noFill/>
-        </p:spPr>
-        <p:txBody>
-          <a:bodyPr wrap="square" rtlCol="0">
-            <a:spAutoFit/>
-          </a:bodyPr>
-          <a:lstStyle/>
-          <a:p>
-            <a:r>
-              <a:rPr lang="de-AT" dirty="0">
-                <a:latin typeface="Verdana" panose="020B0604030504040204" pitchFamily="34" charset="0"/>
-                <a:ea typeface="Verdana" panose="020B0604030504040204" pitchFamily="34" charset="0"/>
-                <a:cs typeface="Verdana" panose="020B0604030504040204" pitchFamily="34" charset="0"/>
-              </a:rPr>
-              <a:t>Event-</a:t>
-            </a:r>
-            <a:r>
-              <a:rPr lang="de-AT" dirty="0" err="1">
-                <a:latin typeface="Verdana" panose="020B0604030504040204" pitchFamily="34" charset="0"/>
-                <a:ea typeface="Verdana" panose="020B0604030504040204" pitchFamily="34" charset="0"/>
-                <a:cs typeface="Verdana" panose="020B0604030504040204" pitchFamily="34" charset="0"/>
-              </a:rPr>
-              <a:t>driven</a:t>
-            </a:r>
-            <a:r>
-              <a:rPr lang="de-AT" dirty="0">
-                <a:latin typeface="Verdana" panose="020B0604030504040204" pitchFamily="34" charset="0"/>
-                <a:ea typeface="Verdana" panose="020B0604030504040204" pitchFamily="34" charset="0"/>
-                <a:cs typeface="Verdana" panose="020B0604030504040204" pitchFamily="34" charset="0"/>
-              </a:rPr>
-              <a:t> </a:t>
-            </a:r>
-            <a:r>
-              <a:rPr lang="de-AT" dirty="0" err="1">
-                <a:latin typeface="Verdana" panose="020B0604030504040204" pitchFamily="34" charset="0"/>
-                <a:ea typeface="Verdana" panose="020B0604030504040204" pitchFamily="34" charset="0"/>
-                <a:cs typeface="Verdana" panose="020B0604030504040204" pitchFamily="34" charset="0"/>
-              </a:rPr>
-              <a:t>network</a:t>
-            </a:r>
-            <a:r>
-              <a:rPr lang="de-AT" dirty="0">
-                <a:latin typeface="Verdana" panose="020B0604030504040204" pitchFamily="34" charset="0"/>
-                <a:ea typeface="Verdana" panose="020B0604030504040204" pitchFamily="34" charset="0"/>
-                <a:cs typeface="Verdana" panose="020B0604030504040204" pitchFamily="34" charset="0"/>
-              </a:rPr>
-              <a:t> </a:t>
-            </a:r>
-            <a:r>
-              <a:rPr lang="de-AT" dirty="0" err="1">
-                <a:latin typeface="Verdana" panose="020B0604030504040204" pitchFamily="34" charset="0"/>
-                <a:ea typeface="Verdana" panose="020B0604030504040204" pitchFamily="34" charset="0"/>
-                <a:cs typeface="Verdana" panose="020B0604030504040204" pitchFamily="34" charset="0"/>
-              </a:rPr>
-              <a:t>programming</a:t>
-            </a:r>
-            <a:endParaRPr lang="de-AT" dirty="0">
-              <a:latin typeface="Verdana" panose="020B0604030504040204" pitchFamily="34" charset="0"/>
-              <a:ea typeface="Verdana" panose="020B0604030504040204" pitchFamily="34" charset="0"/>
-              <a:cs typeface="Verdana" panose="020B0604030504040204" pitchFamily="34" charset="0"/>
-            </a:endParaRPr>
-          </a:p>
-        </p:txBody>
-      </p:sp>
-      <p:sp>
-        <p:nvSpPr>
-          <p:cNvPr id="10" name="Textfeld 9"/>
-          <p:cNvSpPr txBox="1"/>
-          <p:nvPr/>
-        </p:nvSpPr>
-        <p:spPr>
-          <a:xfrm>
-            <a:off x="85497" y="8443700"/>
-            <a:ext cx="2547260" cy="2062103"/>
-          </a:xfrm>
-          <a:prstGeom prst="rect">
-            <a:avLst/>
-          </a:prstGeom>
-          <a:noFill/>
-        </p:spPr>
-        <p:txBody>
-          <a:bodyPr wrap="square" rtlCol="0">
-            <a:spAutoFit/>
-          </a:bodyPr>
-          <a:lstStyle/>
-          <a:p>
-            <a:pPr algn="ctr"/>
-            <a:r>
-              <a:rPr lang="de-AT" sz="3200" dirty="0">
-                <a:latin typeface="Verdana" panose="020B0604030504040204" pitchFamily="34" charset="0"/>
-                <a:ea typeface="Verdana" panose="020B0604030504040204" pitchFamily="34" charset="0"/>
-                <a:cs typeface="Verdana" panose="020B0604030504040204" pitchFamily="34" charset="0"/>
-              </a:rPr>
-              <a:t>Multiplayer</a:t>
-            </a:r>
-          </a:p>
-          <a:p>
-            <a:pPr algn="ctr"/>
-            <a:r>
-              <a:rPr lang="de-AT" sz="3200" dirty="0" err="1">
-                <a:latin typeface="Verdana" panose="020B0604030504040204" pitchFamily="34" charset="0"/>
-                <a:ea typeface="Verdana" panose="020B0604030504040204" pitchFamily="34" charset="0"/>
-                <a:cs typeface="Verdana" panose="020B0604030504040204" pitchFamily="34" charset="0"/>
-              </a:rPr>
-              <a:t>Pacman</a:t>
-            </a:r>
-            <a:r>
-              <a:rPr lang="de-AT" sz="3200" dirty="0">
-                <a:latin typeface="Verdana" panose="020B0604030504040204" pitchFamily="34" charset="0"/>
-                <a:ea typeface="Verdana" panose="020B0604030504040204" pitchFamily="34" charset="0"/>
-                <a:cs typeface="Verdana" panose="020B0604030504040204" pitchFamily="34" charset="0"/>
-              </a:rPr>
-              <a:t> alias </a:t>
-            </a:r>
-            <a:r>
-              <a:rPr lang="de-AT" sz="3200" b="1" dirty="0" err="1">
-                <a:latin typeface="Verdana" panose="020B0604030504040204" pitchFamily="34" charset="0"/>
-                <a:ea typeface="Verdana" panose="020B0604030504040204" pitchFamily="34" charset="0"/>
-                <a:cs typeface="Verdana" panose="020B0604030504040204" pitchFamily="34" charset="0"/>
-              </a:rPr>
-              <a:t>HATman</a:t>
-            </a:r>
-            <a:endParaRPr lang="de-AT" sz="3200" b="1" dirty="0">
-              <a:latin typeface="Verdana" panose="020B0604030504040204" pitchFamily="34" charset="0"/>
-              <a:ea typeface="Verdana" panose="020B0604030504040204" pitchFamily="34" charset="0"/>
-              <a:cs typeface="Verdana" panose="020B0604030504040204" pitchFamily="34" charset="0"/>
-            </a:endParaRPr>
-          </a:p>
-        </p:txBody>
-      </p:sp>
-      <p:sp>
-        <p:nvSpPr>
-          <p:cNvPr id="11" name="Textfeld 10"/>
-          <p:cNvSpPr txBox="1"/>
-          <p:nvPr/>
-        </p:nvSpPr>
-        <p:spPr>
-          <a:xfrm>
-            <a:off x="0" y="10450300"/>
-            <a:ext cx="7545032" cy="276999"/>
-          </a:xfrm>
-          <a:prstGeom prst="rect">
-            <a:avLst/>
-          </a:prstGeom>
-          <a:noFill/>
-        </p:spPr>
-        <p:txBody>
-          <a:bodyPr wrap="square" rtlCol="0">
-            <a:spAutoFit/>
-          </a:bodyPr>
-          <a:lstStyle/>
-          <a:p>
-            <a:pPr algn="ctr"/>
-            <a:r>
-              <a:rPr lang="de-AT" sz="1200" dirty="0">
-                <a:latin typeface="Verdana" panose="020B0604030504040204" pitchFamily="34" charset="0"/>
-                <a:ea typeface="Verdana" panose="020B0604030504040204" pitchFamily="34" charset="0"/>
-                <a:cs typeface="Verdana" panose="020B0604030504040204" pitchFamily="34" charset="0"/>
-              </a:rPr>
-              <a:t>© </a:t>
-            </a:r>
-            <a:r>
-              <a:rPr lang="de-AT" sz="1200" b="1" dirty="0">
-                <a:latin typeface="Verdana" panose="020B0604030504040204" pitchFamily="34" charset="0"/>
-                <a:ea typeface="Verdana" panose="020B0604030504040204" pitchFamily="34" charset="0"/>
-                <a:cs typeface="Verdana" panose="020B0604030504040204" pitchFamily="34" charset="0"/>
-              </a:rPr>
-              <a:t>A</a:t>
-            </a:r>
-            <a:r>
-              <a:rPr lang="de-AT" sz="1200" dirty="0">
-                <a:latin typeface="Verdana" panose="020B0604030504040204" pitchFamily="34" charset="0"/>
-                <a:ea typeface="Verdana" panose="020B0604030504040204" pitchFamily="34" charset="0"/>
-                <a:cs typeface="Verdana" panose="020B0604030504040204" pitchFamily="34" charset="0"/>
-              </a:rPr>
-              <a:t>nja Bergmann, </a:t>
-            </a:r>
-            <a:r>
-              <a:rPr lang="de-AT" sz="1200" b="1" dirty="0">
-                <a:latin typeface="Verdana" panose="020B0604030504040204" pitchFamily="34" charset="0"/>
-                <a:ea typeface="Verdana" panose="020B0604030504040204" pitchFamily="34" charset="0"/>
-                <a:cs typeface="Verdana" panose="020B0604030504040204" pitchFamily="34" charset="0"/>
-              </a:rPr>
-              <a:t>T</a:t>
-            </a:r>
-            <a:r>
-              <a:rPr lang="de-AT" sz="1200" dirty="0">
-                <a:latin typeface="Verdana" panose="020B0604030504040204" pitchFamily="34" charset="0"/>
-                <a:ea typeface="Verdana" panose="020B0604030504040204" pitchFamily="34" charset="0"/>
-                <a:cs typeface="Verdana" panose="020B0604030504040204" pitchFamily="34" charset="0"/>
-              </a:rPr>
-              <a:t>abea Halmschlager &amp; Jo</a:t>
-            </a:r>
-            <a:r>
-              <a:rPr lang="de-AT" sz="1200" b="1" dirty="0">
-                <a:latin typeface="Verdana" panose="020B0604030504040204" pitchFamily="34" charset="0"/>
-                <a:ea typeface="Verdana" panose="020B0604030504040204" pitchFamily="34" charset="0"/>
-                <a:cs typeface="Verdana" panose="020B0604030504040204" pitchFamily="34" charset="0"/>
-              </a:rPr>
-              <a:t>h</a:t>
-            </a:r>
-            <a:r>
-              <a:rPr lang="de-AT" sz="1200" dirty="0">
-                <a:latin typeface="Verdana" panose="020B0604030504040204" pitchFamily="34" charset="0"/>
-                <a:ea typeface="Verdana" panose="020B0604030504040204" pitchFamily="34" charset="0"/>
-                <a:cs typeface="Verdana" panose="020B0604030504040204" pitchFamily="34" charset="0"/>
-              </a:rPr>
-              <a:t>anna Kirchmaier, ITM14</a:t>
-            </a:r>
-          </a:p>
-        </p:txBody>
-      </p:sp>
       <p:pic>
         <p:nvPicPr>
-          <p:cNvPr id="12" name="Grafik 11"/>
+          <p:cNvPr id="6" name="Grafik 5"/>
           <p:cNvPicPr>
             <a:picLocks noChangeAspect="1"/>
           </p:cNvPicPr>
@@ -3938,9 +3639,9 @@
           </a:stretch>
         </p:blipFill>
         <p:spPr>
-          <a:xfrm>
-            <a:off x="2632757" y="3191661"/>
-            <a:ext cx="836627" cy="836627"/>
+          <a:xfrm rot="374049">
+            <a:off x="3085791" y="6737494"/>
+            <a:ext cx="4119696" cy="3408217"/>
           </a:xfrm>
           <a:prstGeom prst="rect">
             <a:avLst/>
@@ -3949,7 +3650,7 @@
       </p:pic>
       <p:pic>
         <p:nvPicPr>
-          <p:cNvPr id="13" name="Grafik 12"/>
+          <p:cNvPr id="4" name="Grafik 3"/>
           <p:cNvPicPr>
             <a:picLocks noChangeAspect="1"/>
           </p:cNvPicPr>
@@ -3962,18 +3663,384 @@
           </a:stretch>
         </p:blipFill>
         <p:spPr>
-          <a:xfrm rot="880395">
-            <a:off x="2503622" y="9385272"/>
-            <a:ext cx="818596" cy="818596"/>
+          <a:xfrm>
+            <a:off x="85497" y="4037027"/>
+            <a:ext cx="5001238" cy="3969733"/>
           </a:xfrm>
           <a:prstGeom prst="rect">
             <a:avLst/>
           </a:prstGeom>
         </p:spPr>
       </p:pic>
+      <p:sp>
+        <p:nvSpPr>
+          <p:cNvPr id="8" name="Textfeld 7"/>
+          <p:cNvSpPr txBox="1"/>
+          <p:nvPr/>
+        </p:nvSpPr>
+        <p:spPr>
+          <a:xfrm>
+            <a:off x="5174887" y="4037027"/>
+            <a:ext cx="2264228" cy="1769715"/>
+          </a:xfrm>
+          <a:prstGeom prst="rect">
+            <a:avLst/>
+          </a:prstGeom>
+          <a:noFill/>
+        </p:spPr>
+        <p:txBody>
+          <a:bodyPr wrap="square" rtlCol="0">
+            <a:spAutoFit/>
+          </a:bodyPr>
+          <a:lstStyle/>
+          <a:p>
+            <a:pPr algn="ctr"/>
+            <a:r>
+              <a:rPr lang="de-AT" dirty="0">
+                <a:latin typeface="Cambria" panose="02040503050406030204" pitchFamily="18" charset="0"/>
+                <a:ea typeface="Verdana" panose="020B0604030504040204" pitchFamily="34" charset="0"/>
+                <a:cs typeface="Verdana" panose="020B0604030504040204" pitchFamily="34" charset="0"/>
+              </a:rPr>
+              <a:t>Main </a:t>
+            </a:r>
+          </a:p>
+          <a:p>
+            <a:pPr algn="ctr"/>
+            <a:r>
+              <a:rPr lang="de-AT" dirty="0">
+                <a:latin typeface="Cambria" panose="02040503050406030204" pitchFamily="18" charset="0"/>
+                <a:ea typeface="Verdana" panose="020B0604030504040204" pitchFamily="34" charset="0"/>
+                <a:cs typeface="Verdana" panose="020B0604030504040204" pitchFamily="34" charset="0"/>
+              </a:rPr>
+              <a:t>Frameworks:</a:t>
+            </a:r>
+            <a:br>
+              <a:rPr lang="de-AT" sz="2000" dirty="0">
+                <a:latin typeface="Cambria" panose="02040503050406030204" pitchFamily="18" charset="0"/>
+                <a:ea typeface="Verdana" panose="020B0604030504040204" pitchFamily="34" charset="0"/>
+                <a:cs typeface="Verdana" panose="020B0604030504040204" pitchFamily="34" charset="0"/>
+              </a:rPr>
+            </a:br>
+            <a:r>
+              <a:rPr lang="de-AT" sz="500" dirty="0">
+                <a:latin typeface="Cambria" panose="02040503050406030204" pitchFamily="18" charset="0"/>
+                <a:ea typeface="Verdana" panose="020B0604030504040204" pitchFamily="34" charset="0"/>
+                <a:cs typeface="Verdana" panose="020B0604030504040204" pitchFamily="34" charset="0"/>
+              </a:rPr>
+              <a:t> </a:t>
+            </a:r>
+            <a:endParaRPr lang="de-AT" sz="2000" dirty="0">
+              <a:latin typeface="Cambria" panose="02040503050406030204" pitchFamily="18" charset="0"/>
+              <a:ea typeface="Verdana" panose="020B0604030504040204" pitchFamily="34" charset="0"/>
+              <a:cs typeface="Verdana" panose="020B0604030504040204" pitchFamily="34" charset="0"/>
+            </a:endParaRPr>
+          </a:p>
+          <a:p>
+            <a:pPr algn="ctr"/>
+            <a:r>
+              <a:rPr lang="de-AT" sz="2400" dirty="0" err="1">
+                <a:latin typeface="Cambria" panose="02040503050406030204" pitchFamily="18" charset="0"/>
+                <a:ea typeface="Verdana" panose="020B0604030504040204" pitchFamily="34" charset="0"/>
+                <a:cs typeface="Verdana" panose="020B0604030504040204" pitchFamily="34" charset="0"/>
+              </a:rPr>
+              <a:t>Twisted</a:t>
+            </a:r>
+            <a:r>
+              <a:rPr lang="de-AT" sz="2400" dirty="0">
+                <a:latin typeface="Cambria" panose="02040503050406030204" pitchFamily="18" charset="0"/>
+                <a:ea typeface="Verdana" panose="020B0604030504040204" pitchFamily="34" charset="0"/>
+                <a:cs typeface="Verdana" panose="020B0604030504040204" pitchFamily="34" charset="0"/>
+              </a:rPr>
+              <a:t> </a:t>
+            </a:r>
+          </a:p>
+          <a:p>
+            <a:pPr algn="ctr"/>
+            <a:r>
+              <a:rPr lang="de-AT" dirty="0">
+                <a:latin typeface="Cambria" panose="02040503050406030204" pitchFamily="18" charset="0"/>
+                <a:ea typeface="Verdana" panose="020B0604030504040204" pitchFamily="34" charset="0"/>
+                <a:cs typeface="Verdana" panose="020B0604030504040204" pitchFamily="34" charset="0"/>
+              </a:rPr>
+              <a:t>&amp;</a:t>
+            </a:r>
+            <a:r>
+              <a:rPr lang="de-AT" sz="2000" dirty="0">
+                <a:latin typeface="Cambria" panose="02040503050406030204" pitchFamily="18" charset="0"/>
+                <a:ea typeface="Verdana" panose="020B0604030504040204" pitchFamily="34" charset="0"/>
+                <a:cs typeface="Verdana" panose="020B0604030504040204" pitchFamily="34" charset="0"/>
+              </a:rPr>
+              <a:t> </a:t>
+            </a:r>
+          </a:p>
+          <a:p>
+            <a:pPr algn="ctr"/>
+            <a:r>
+              <a:rPr lang="de-AT" sz="2400" dirty="0">
+                <a:latin typeface="Cambria" panose="02040503050406030204" pitchFamily="18" charset="0"/>
+                <a:ea typeface="Verdana" panose="020B0604030504040204" pitchFamily="34" charset="0"/>
+                <a:cs typeface="Verdana" panose="020B0604030504040204" pitchFamily="34" charset="0"/>
+              </a:rPr>
+              <a:t>Cocos2d</a:t>
+            </a:r>
+          </a:p>
+        </p:txBody>
+      </p:sp>
+      <p:sp>
+        <p:nvSpPr>
+          <p:cNvPr id="9" name="Textfeld 8"/>
+          <p:cNvSpPr txBox="1"/>
+          <p:nvPr/>
+        </p:nvSpPr>
+        <p:spPr>
+          <a:xfrm rot="376201">
+            <a:off x="5077277" y="6034929"/>
+            <a:ext cx="2418526" cy="646331"/>
+          </a:xfrm>
+          <a:prstGeom prst="rect">
+            <a:avLst/>
+          </a:prstGeom>
+          <a:noFill/>
+        </p:spPr>
+        <p:txBody>
+          <a:bodyPr wrap="square" rtlCol="0">
+            <a:spAutoFit/>
+          </a:bodyPr>
+          <a:lstStyle/>
+          <a:p>
+            <a:pPr algn="r"/>
+            <a:r>
+              <a:rPr lang="de-AT" dirty="0">
+                <a:latin typeface="Cambria" panose="02040503050406030204" pitchFamily="18" charset="0"/>
+                <a:ea typeface="Verdana" panose="020B0604030504040204" pitchFamily="34" charset="0"/>
+                <a:cs typeface="Verdana" panose="020B0604030504040204" pitchFamily="34" charset="0"/>
+              </a:rPr>
+              <a:t>Event-</a:t>
+            </a:r>
+            <a:r>
+              <a:rPr lang="de-AT" dirty="0" err="1">
+                <a:latin typeface="Cambria" panose="02040503050406030204" pitchFamily="18" charset="0"/>
+                <a:ea typeface="Verdana" panose="020B0604030504040204" pitchFamily="34" charset="0"/>
+                <a:cs typeface="Verdana" panose="020B0604030504040204" pitchFamily="34" charset="0"/>
+              </a:rPr>
+              <a:t>driven</a:t>
+            </a:r>
+            <a:r>
+              <a:rPr lang="de-AT" dirty="0">
+                <a:latin typeface="Cambria" panose="02040503050406030204" pitchFamily="18" charset="0"/>
+                <a:ea typeface="Verdana" panose="020B0604030504040204" pitchFamily="34" charset="0"/>
+                <a:cs typeface="Verdana" panose="020B0604030504040204" pitchFamily="34" charset="0"/>
+              </a:rPr>
+              <a:t> </a:t>
+            </a:r>
+          </a:p>
+          <a:p>
+            <a:pPr algn="r"/>
+            <a:r>
+              <a:rPr lang="de-AT" dirty="0" err="1">
+                <a:latin typeface="Cambria" panose="02040503050406030204" pitchFamily="18" charset="0"/>
+                <a:ea typeface="Verdana" panose="020B0604030504040204" pitchFamily="34" charset="0"/>
+                <a:cs typeface="Verdana" panose="020B0604030504040204" pitchFamily="34" charset="0"/>
+              </a:rPr>
+              <a:t>network</a:t>
+            </a:r>
+            <a:r>
+              <a:rPr lang="de-AT" dirty="0">
+                <a:latin typeface="Cambria" panose="02040503050406030204" pitchFamily="18" charset="0"/>
+                <a:ea typeface="Verdana" panose="020B0604030504040204" pitchFamily="34" charset="0"/>
+                <a:cs typeface="Verdana" panose="020B0604030504040204" pitchFamily="34" charset="0"/>
+              </a:rPr>
+              <a:t> </a:t>
+            </a:r>
+            <a:r>
+              <a:rPr lang="de-AT" dirty="0" err="1">
+                <a:latin typeface="Cambria" panose="02040503050406030204" pitchFamily="18" charset="0"/>
+                <a:ea typeface="Verdana" panose="020B0604030504040204" pitchFamily="34" charset="0"/>
+                <a:cs typeface="Verdana" panose="020B0604030504040204" pitchFamily="34" charset="0"/>
+              </a:rPr>
+              <a:t>programming</a:t>
+            </a:r>
+            <a:endParaRPr lang="de-AT" dirty="0">
+              <a:latin typeface="Cambria" panose="02040503050406030204" pitchFamily="18" charset="0"/>
+              <a:ea typeface="Verdana" panose="020B0604030504040204" pitchFamily="34" charset="0"/>
+              <a:cs typeface="Verdana" panose="020B0604030504040204" pitchFamily="34" charset="0"/>
+            </a:endParaRPr>
+          </a:p>
+        </p:txBody>
+      </p:sp>
+      <p:sp>
+        <p:nvSpPr>
+          <p:cNvPr id="10" name="Textfeld 9"/>
+          <p:cNvSpPr txBox="1"/>
+          <p:nvPr/>
+        </p:nvSpPr>
+        <p:spPr>
+          <a:xfrm>
+            <a:off x="85497" y="8128409"/>
+            <a:ext cx="2547260" cy="2062103"/>
+          </a:xfrm>
+          <a:prstGeom prst="rect">
+            <a:avLst/>
+          </a:prstGeom>
+          <a:noFill/>
+        </p:spPr>
+        <p:txBody>
+          <a:bodyPr wrap="square" rtlCol="0">
+            <a:spAutoFit/>
+          </a:bodyPr>
+          <a:lstStyle/>
+          <a:p>
+            <a:pPr algn="ctr"/>
+            <a:r>
+              <a:rPr lang="de-AT" sz="3200" dirty="0">
+                <a:latin typeface="Cambria" panose="02040503050406030204" pitchFamily="18" charset="0"/>
+                <a:ea typeface="Verdana" panose="020B0604030504040204" pitchFamily="34" charset="0"/>
+                <a:cs typeface="Verdana" panose="020B0604030504040204" pitchFamily="34" charset="0"/>
+              </a:rPr>
+              <a:t>Multiplayer</a:t>
+            </a:r>
+          </a:p>
+          <a:p>
+            <a:pPr algn="ctr"/>
+            <a:r>
+              <a:rPr lang="de-AT" sz="3200" dirty="0" err="1">
+                <a:latin typeface="Cambria" panose="02040503050406030204" pitchFamily="18" charset="0"/>
+                <a:ea typeface="Verdana" panose="020B0604030504040204" pitchFamily="34" charset="0"/>
+                <a:cs typeface="Verdana" panose="020B0604030504040204" pitchFamily="34" charset="0"/>
+              </a:rPr>
+              <a:t>Pacman</a:t>
+            </a:r>
+            <a:r>
+              <a:rPr lang="de-AT" sz="3200" dirty="0">
+                <a:latin typeface="Cambria" panose="02040503050406030204" pitchFamily="18" charset="0"/>
+                <a:ea typeface="Verdana" panose="020B0604030504040204" pitchFamily="34" charset="0"/>
+                <a:cs typeface="Verdana" panose="020B0604030504040204" pitchFamily="34" charset="0"/>
+              </a:rPr>
+              <a:t> </a:t>
+            </a:r>
+          </a:p>
+          <a:p>
+            <a:pPr algn="ctr"/>
+            <a:r>
+              <a:rPr lang="de-AT" sz="2400" dirty="0">
+                <a:latin typeface="Cambria" panose="02040503050406030204" pitchFamily="18" charset="0"/>
+                <a:ea typeface="Verdana" panose="020B0604030504040204" pitchFamily="34" charset="0"/>
+                <a:cs typeface="Verdana" panose="020B0604030504040204" pitchFamily="34" charset="0"/>
+              </a:rPr>
+              <a:t>alias</a:t>
+            </a:r>
+          </a:p>
+          <a:p>
+            <a:pPr algn="ctr"/>
+            <a:r>
+              <a:rPr lang="de-AT" sz="3200" dirty="0">
+                <a:latin typeface="Cambria" panose="02040503050406030204" pitchFamily="18" charset="0"/>
+                <a:ea typeface="Verdana" panose="020B0604030504040204" pitchFamily="34" charset="0"/>
+                <a:cs typeface="Verdana" panose="020B0604030504040204" pitchFamily="34" charset="0"/>
+              </a:rPr>
+              <a:t> </a:t>
+            </a:r>
+            <a:r>
+              <a:rPr lang="de-AT" sz="4000" b="1" dirty="0" err="1">
+                <a:latin typeface="Cambria" panose="02040503050406030204" pitchFamily="18" charset="0"/>
+                <a:ea typeface="Verdana" panose="020B0604030504040204" pitchFamily="34" charset="0"/>
+                <a:cs typeface="Verdana" panose="020B0604030504040204" pitchFamily="34" charset="0"/>
+              </a:rPr>
+              <a:t>HATman</a:t>
+            </a:r>
+            <a:endParaRPr lang="de-AT" sz="3200" b="1" dirty="0">
+              <a:latin typeface="Cambria" panose="02040503050406030204" pitchFamily="18" charset="0"/>
+              <a:ea typeface="Verdana" panose="020B0604030504040204" pitchFamily="34" charset="0"/>
+              <a:cs typeface="Verdana" panose="020B0604030504040204" pitchFamily="34" charset="0"/>
+            </a:endParaRPr>
+          </a:p>
+        </p:txBody>
+      </p:sp>
+      <p:sp>
+        <p:nvSpPr>
+          <p:cNvPr id="11" name="Textfeld 10"/>
+          <p:cNvSpPr txBox="1"/>
+          <p:nvPr/>
+        </p:nvSpPr>
+        <p:spPr>
+          <a:xfrm>
+            <a:off x="0" y="10281829"/>
+            <a:ext cx="7545032" cy="307777"/>
+          </a:xfrm>
+          <a:prstGeom prst="rect">
+            <a:avLst/>
+          </a:prstGeom>
+          <a:noFill/>
+        </p:spPr>
+        <p:txBody>
+          <a:bodyPr wrap="square" rtlCol="0">
+            <a:spAutoFit/>
+          </a:bodyPr>
+          <a:lstStyle/>
+          <a:p>
+            <a:pPr algn="ctr"/>
+            <a:r>
+              <a:rPr lang="de-AT" sz="1400" dirty="0">
+                <a:latin typeface="Cambria" panose="02040503050406030204" pitchFamily="18" charset="0"/>
+                <a:ea typeface="Verdana" panose="020B0604030504040204" pitchFamily="34" charset="0"/>
+                <a:cs typeface="Verdana" panose="020B0604030504040204" pitchFamily="34" charset="0"/>
+              </a:rPr>
+              <a:t>© Jo</a:t>
+            </a:r>
+            <a:r>
+              <a:rPr lang="de-AT" sz="1400" b="1" dirty="0">
+                <a:latin typeface="Cambria" panose="02040503050406030204" pitchFamily="18" charset="0"/>
+                <a:ea typeface="Verdana" panose="020B0604030504040204" pitchFamily="34" charset="0"/>
+                <a:cs typeface="Verdana" panose="020B0604030504040204" pitchFamily="34" charset="0"/>
+              </a:rPr>
+              <a:t>h</a:t>
+            </a:r>
+            <a:r>
+              <a:rPr lang="de-AT" sz="1400" dirty="0">
+                <a:latin typeface="Cambria" panose="02040503050406030204" pitchFamily="18" charset="0"/>
+                <a:ea typeface="Verdana" panose="020B0604030504040204" pitchFamily="34" charset="0"/>
+                <a:cs typeface="Verdana" panose="020B0604030504040204" pitchFamily="34" charset="0"/>
+              </a:rPr>
+              <a:t>anna Kirchmaier, </a:t>
+            </a:r>
+            <a:r>
+              <a:rPr lang="de-AT" sz="1400" b="1" dirty="0">
+                <a:latin typeface="Cambria" panose="02040503050406030204" pitchFamily="18" charset="0"/>
+                <a:ea typeface="Verdana" panose="020B0604030504040204" pitchFamily="34" charset="0"/>
+                <a:cs typeface="Verdana" panose="020B0604030504040204" pitchFamily="34" charset="0"/>
+              </a:rPr>
+              <a:t>A</a:t>
+            </a:r>
+            <a:r>
+              <a:rPr lang="de-AT" sz="1400" dirty="0">
+                <a:latin typeface="Cambria" panose="02040503050406030204" pitchFamily="18" charset="0"/>
+                <a:ea typeface="Verdana" panose="020B0604030504040204" pitchFamily="34" charset="0"/>
+                <a:cs typeface="Verdana" panose="020B0604030504040204" pitchFamily="34" charset="0"/>
+              </a:rPr>
+              <a:t>nja Bergmann &amp; </a:t>
+            </a:r>
+            <a:r>
+              <a:rPr lang="de-AT" sz="1400" b="1" dirty="0">
+                <a:latin typeface="Cambria" panose="02040503050406030204" pitchFamily="18" charset="0"/>
+                <a:ea typeface="Verdana" panose="020B0604030504040204" pitchFamily="34" charset="0"/>
+                <a:cs typeface="Verdana" panose="020B0604030504040204" pitchFamily="34" charset="0"/>
+              </a:rPr>
+              <a:t>T</a:t>
+            </a:r>
+            <a:r>
+              <a:rPr lang="de-AT" sz="1400" dirty="0">
+                <a:latin typeface="Cambria" panose="02040503050406030204" pitchFamily="18" charset="0"/>
+                <a:ea typeface="Verdana" panose="020B0604030504040204" pitchFamily="34" charset="0"/>
+                <a:cs typeface="Verdana" panose="020B0604030504040204" pitchFamily="34" charset="0"/>
+              </a:rPr>
+              <a:t>abea Halmschlager, ITM14</a:t>
+            </a:r>
+          </a:p>
+        </p:txBody>
+      </p:sp>
       <p:pic>
         <p:nvPicPr>
-          <p:cNvPr id="14" name="Grafik 13"/>
+          <p:cNvPr id="12" name="Grafik 11"/>
           <p:cNvPicPr>
             <a:picLocks noChangeAspect="1"/>
           </p:cNvPicPr>
@@ -3987,8 +4054,284 @@
         </p:blipFill>
         <p:spPr>
           <a:xfrm>
-            <a:off x="1636677" y="3185784"/>
-            <a:ext cx="776616" cy="776616"/>
+            <a:off x="2745936" y="3272398"/>
+            <a:ext cx="690002" cy="690002"/>
+          </a:xfrm>
+          <a:prstGeom prst="rect">
+            <a:avLst/>
+          </a:prstGeom>
+        </p:spPr>
+      </p:pic>
+      <p:pic>
+        <p:nvPicPr>
+          <p:cNvPr id="13" name="Grafik 12"/>
+          <p:cNvPicPr>
+            <a:picLocks noChangeAspect="1"/>
+          </p:cNvPicPr>
+          <p:nvPr/>
+        </p:nvPicPr>
+        <p:blipFill>
+          <a:blip r:embed="rId7"/>
+          <a:stretch>
+            <a:fillRect/>
+          </a:stretch>
+        </p:blipFill>
+        <p:spPr>
+          <a:xfrm rot="880395">
+            <a:off x="2614607" y="9249790"/>
+            <a:ext cx="818596" cy="818596"/>
+          </a:xfrm>
+          <a:prstGeom prst="rect">
+            <a:avLst/>
+          </a:prstGeom>
+        </p:spPr>
+      </p:pic>
+      <p:pic>
+        <p:nvPicPr>
+          <p:cNvPr id="14" name="Grafik 13"/>
+          <p:cNvPicPr>
+            <a:picLocks noChangeAspect="1"/>
+          </p:cNvPicPr>
+          <p:nvPr/>
+        </p:nvPicPr>
+        <p:blipFill>
+          <a:blip r:embed="rId8"/>
+          <a:stretch>
+            <a:fillRect/>
+          </a:stretch>
+        </p:blipFill>
+        <p:spPr>
+          <a:xfrm>
+            <a:off x="1797613" y="3231592"/>
+            <a:ext cx="690002" cy="690002"/>
+          </a:xfrm>
+          <a:prstGeom prst="rect">
+            <a:avLst/>
+          </a:prstGeom>
+        </p:spPr>
+      </p:pic>
+      <p:sp>
+        <p:nvSpPr>
+          <p:cNvPr id="7" name="Abgerundetes Rechteck 6"/>
+          <p:cNvSpPr/>
+          <p:nvPr/>
+        </p:nvSpPr>
+        <p:spPr>
+          <a:xfrm>
+            <a:off x="1482090" y="10347236"/>
+            <a:ext cx="95250" cy="206127"/>
+          </a:xfrm>
+          <a:prstGeom prst="roundRect">
+            <a:avLst/>
+          </a:prstGeom>
+          <a:noFill/>
+          <a:ln>
+            <a:solidFill>
+              <a:schemeClr val="tx1"/>
+            </a:solidFill>
+          </a:ln>
+        </p:spPr>
+        <p:style>
+          <a:lnRef idx="1">
+            <a:schemeClr val="accent1"/>
+          </a:lnRef>
+          <a:fillRef idx="3">
+            <a:schemeClr val="accent1"/>
+          </a:fillRef>
+          <a:effectRef idx="2">
+            <a:schemeClr val="accent1"/>
+          </a:effectRef>
+          <a:fontRef idx="minor">
+            <a:schemeClr val="lt1"/>
+          </a:fontRef>
+        </p:style>
+        <p:txBody>
+          <a:bodyPr rtlCol="0" anchor="ctr"/>
+          <a:lstStyle/>
+          <a:p>
+            <a:pPr algn="ctr"/>
+            <a:endParaRPr lang="de-AT"/>
+          </a:p>
+        </p:txBody>
+      </p:sp>
+      <p:sp>
+        <p:nvSpPr>
+          <p:cNvPr id="15" name="Abgerundetes Rechteck 14"/>
+          <p:cNvSpPr/>
+          <p:nvPr/>
+        </p:nvSpPr>
+        <p:spPr>
+          <a:xfrm>
+            <a:off x="2897506" y="10347235"/>
+            <a:ext cx="131444" cy="206127"/>
+          </a:xfrm>
+          <a:prstGeom prst="roundRect">
+            <a:avLst/>
+          </a:prstGeom>
+          <a:noFill/>
+          <a:ln>
+            <a:solidFill>
+              <a:schemeClr val="tx1"/>
+            </a:solidFill>
+          </a:ln>
+        </p:spPr>
+        <p:style>
+          <a:lnRef idx="1">
+            <a:schemeClr val="accent1"/>
+          </a:lnRef>
+          <a:fillRef idx="3">
+            <a:schemeClr val="accent1"/>
+          </a:fillRef>
+          <a:effectRef idx="2">
+            <a:schemeClr val="accent1"/>
+          </a:effectRef>
+          <a:fontRef idx="minor">
+            <a:schemeClr val="lt1"/>
+          </a:fontRef>
+        </p:style>
+        <p:txBody>
+          <a:bodyPr rtlCol="0" anchor="ctr"/>
+          <a:lstStyle/>
+          <a:p>
+            <a:pPr algn="ctr"/>
+            <a:endParaRPr lang="de-AT"/>
+          </a:p>
+        </p:txBody>
+      </p:sp>
+      <p:sp>
+        <p:nvSpPr>
+          <p:cNvPr id="16" name="Abgerundetes Rechteck 15"/>
+          <p:cNvSpPr/>
+          <p:nvPr/>
+        </p:nvSpPr>
+        <p:spPr>
+          <a:xfrm>
+            <a:off x="4288731" y="10332653"/>
+            <a:ext cx="116031" cy="206127"/>
+          </a:xfrm>
+          <a:prstGeom prst="roundRect">
+            <a:avLst/>
+          </a:prstGeom>
+          <a:noFill/>
+          <a:ln>
+            <a:solidFill>
+              <a:schemeClr val="tx1"/>
+            </a:solidFill>
+          </a:ln>
+        </p:spPr>
+        <p:style>
+          <a:lnRef idx="1">
+            <a:schemeClr val="accent1"/>
+          </a:lnRef>
+          <a:fillRef idx="3">
+            <a:schemeClr val="accent1"/>
+          </a:fillRef>
+          <a:effectRef idx="2">
+            <a:schemeClr val="accent1"/>
+          </a:effectRef>
+          <a:fontRef idx="minor">
+            <a:schemeClr val="lt1"/>
+          </a:fontRef>
+        </p:style>
+        <p:txBody>
+          <a:bodyPr rtlCol="0" anchor="ctr"/>
+          <a:lstStyle/>
+          <a:p>
+            <a:pPr algn="ctr"/>
+            <a:endParaRPr lang="de-AT"/>
+          </a:p>
+        </p:txBody>
+      </p:sp>
+      <p:pic>
+        <p:nvPicPr>
+          <p:cNvPr id="3" name="Grafik 2"/>
+          <p:cNvPicPr>
+            <a:picLocks noChangeAspect="1"/>
+          </p:cNvPicPr>
+          <p:nvPr/>
+        </p:nvPicPr>
+        <p:blipFill>
+          <a:blip r:embed="rId3"/>
+          <a:stretch>
+            <a:fillRect/>
+          </a:stretch>
+        </p:blipFill>
+        <p:spPr>
+          <a:xfrm>
+            <a:off x="1801828" y="3230373"/>
+            <a:ext cx="691221" cy="691221"/>
+          </a:xfrm>
+          <a:prstGeom prst="rect">
+            <a:avLst/>
+          </a:prstGeom>
+        </p:spPr>
+      </p:pic>
+      <p:pic>
+        <p:nvPicPr>
+          <p:cNvPr id="17" name="Grafik 16"/>
+          <p:cNvPicPr>
+            <a:picLocks noChangeAspect="1"/>
+          </p:cNvPicPr>
+          <p:nvPr/>
+        </p:nvPicPr>
+        <p:blipFill>
+          <a:blip r:embed="rId3"/>
+          <a:stretch>
+            <a:fillRect/>
+          </a:stretch>
+        </p:blipFill>
+        <p:spPr>
+          <a:xfrm rot="876921">
+            <a:off x="2651922" y="9067495"/>
+            <a:ext cx="795542" cy="795542"/>
+          </a:xfrm>
+          <a:prstGeom prst="rect">
+            <a:avLst/>
+          </a:prstGeom>
+        </p:spPr>
+      </p:pic>
+      <p:pic>
+        <p:nvPicPr>
+          <p:cNvPr id="18" name="Grafik 17"/>
+          <p:cNvPicPr>
+            <a:picLocks noChangeAspect="1"/>
+          </p:cNvPicPr>
+          <p:nvPr/>
+        </p:nvPicPr>
+        <p:blipFill>
+          <a:blip r:embed="rId9"/>
+          <a:stretch>
+            <a:fillRect/>
+          </a:stretch>
+        </p:blipFill>
+        <p:spPr>
+          <a:xfrm>
+            <a:off x="872669" y="3230373"/>
+            <a:ext cx="704671" cy="704671"/>
+          </a:xfrm>
+          <a:prstGeom prst="rect">
+            <a:avLst/>
+          </a:prstGeom>
+        </p:spPr>
+      </p:pic>
+      <p:pic>
+        <p:nvPicPr>
+          <p:cNvPr id="19" name="Grafik 18"/>
+          <p:cNvPicPr>
+            <a:picLocks noChangeAspect="1"/>
+          </p:cNvPicPr>
+          <p:nvPr/>
+        </p:nvPicPr>
+        <p:blipFill>
+          <a:blip r:embed="rId3"/>
+          <a:stretch>
+            <a:fillRect/>
+          </a:stretch>
+        </p:blipFill>
+        <p:spPr>
+          <a:xfrm>
+            <a:off x="954371" y="3164714"/>
+            <a:ext cx="691221" cy="691221"/>
           </a:xfrm>
           <a:prstGeom prst="rect">
             <a:avLst/>

--- a/projectwork/Plakat.pptx
+++ b/projectwork/Plakat.pptx
@@ -3656,16 +3656,15 @@
           </p:cNvPicPr>
           <p:nvPr/>
         </p:nvPicPr>
-        <p:blipFill>
+        <p:blipFill rotWithShape="1">
           <a:blip r:embed="rId5"/>
-          <a:stretch>
-            <a:fillRect/>
-          </a:stretch>
+          <a:srcRect l="-1" r="388"/>
+          <a:stretch/>
         </p:blipFill>
         <p:spPr>
           <a:xfrm>
             <a:off x="85497" y="4037027"/>
-            <a:ext cx="5001238" cy="3969733"/>
+            <a:ext cx="4981803" cy="3969733"/>
           </a:xfrm>
           <a:prstGeom prst="rect">
             <a:avLst/>

--- a/projectwork/Plakat.pptx
+++ b/projectwork/Plakat.pptx
@@ -3391,14 +3391,14 @@
           </a:ln>
           <a:extLst>
             <a:ext uri="{909E8E84-426E-40dd-AFC4-6F175D3DCCD1}">
-              <a14:hiddenFill xmlns:a14="http://schemas.microsoft.com/office/drawing/2010/main" xmlns="">
+              <a14:hiddenFill xmlns="" xmlns:a14="http://schemas.microsoft.com/office/drawing/2010/main">
                 <a:solidFill>
                   <a:srgbClr val="FFFFFF"/>
                 </a:solidFill>
               </a14:hiddenFill>
             </a:ext>
             <a:ext uri="{91240B29-F687-4f45-9708-019B960494DF}">
-              <a14:hiddenLine xmlns:a14="http://schemas.microsoft.com/office/drawing/2010/main" xmlns="" w="9525">
+              <a14:hiddenLine xmlns="" xmlns:a14="http://schemas.microsoft.com/office/drawing/2010/main" w="9525">
                 <a:solidFill>
                   <a:srgbClr val="000000"/>
                 </a:solidFill>
@@ -4257,7 +4257,7 @@
         </p:blipFill>
         <p:spPr>
           <a:xfrm>
-            <a:off x="1801828" y="3230373"/>
+            <a:off x="1816027" y="3230373"/>
             <a:ext cx="691221" cy="691221"/>
           </a:xfrm>
           <a:prstGeom prst="rect">
